--- a/College lectures/5_artifacts_testing_lec_v1.pptx
+++ b/College lectures/5_artifacts_testing_lec_v1.pptx
@@ -207,7 +207,7 @@
           <a:p>
             <a:fld id="{E4BDADE7-6AD1-2142-83B2-D20EC39A6B2D}" type="datetimeFigureOut">
               <a:rPr lang="ru-RU" smtClean="0"/>
-              <a:t>11.02.2022</a:t>
+              <a:t>12.02.2022</a:t>
             </a:fld>
             <a:endParaRPr lang="ru-RU"/>
           </a:p>
@@ -2022,7 +2022,7 @@
           <a:p>
             <a:fld id="{85305B69-AB7B-B045-8F83-2E1723C122F3}" type="datetimeFigureOut">
               <a:rPr lang="ru-RU" smtClean="0"/>
-              <a:t>11.02.2022</a:t>
+              <a:t>12.02.2022</a:t>
             </a:fld>
             <a:endParaRPr lang="ru-RU"/>
           </a:p>
@@ -2195,7 +2195,7 @@
           <a:p>
             <a:fld id="{85305B69-AB7B-B045-8F83-2E1723C122F3}" type="datetimeFigureOut">
               <a:rPr lang="ru-RU" smtClean="0"/>
-              <a:t>11.02.2022</a:t>
+              <a:t>12.02.2022</a:t>
             </a:fld>
             <a:endParaRPr lang="ru-RU"/>
           </a:p>
@@ -2378,7 +2378,7 @@
           <a:p>
             <a:fld id="{85305B69-AB7B-B045-8F83-2E1723C122F3}" type="datetimeFigureOut">
               <a:rPr lang="ru-RU" smtClean="0"/>
-              <a:t>11.02.2022</a:t>
+              <a:t>12.02.2022</a:t>
             </a:fld>
             <a:endParaRPr lang="ru-RU"/>
           </a:p>
@@ -2551,7 +2551,7 @@
           <a:p>
             <a:fld id="{85305B69-AB7B-B045-8F83-2E1723C122F3}" type="datetimeFigureOut">
               <a:rPr lang="ru-RU" smtClean="0"/>
-              <a:t>11.02.2022</a:t>
+              <a:t>12.02.2022</a:t>
             </a:fld>
             <a:endParaRPr lang="ru-RU"/>
           </a:p>
@@ -2829,7 +2829,7 @@
           <a:p>
             <a:fld id="{85305B69-AB7B-B045-8F83-2E1723C122F3}" type="datetimeFigureOut">
               <a:rPr lang="ru-RU" smtClean="0"/>
-              <a:t>11.02.2022</a:t>
+              <a:t>12.02.2022</a:t>
             </a:fld>
             <a:endParaRPr lang="ru-RU"/>
           </a:p>
@@ -3044,7 +3044,7 @@
           <a:p>
             <a:fld id="{85305B69-AB7B-B045-8F83-2E1723C122F3}" type="datetimeFigureOut">
               <a:rPr lang="ru-RU" smtClean="0"/>
-              <a:t>11.02.2022</a:t>
+              <a:t>12.02.2022</a:t>
             </a:fld>
             <a:endParaRPr lang="ru-RU"/>
           </a:p>
@@ -3412,7 +3412,7 @@
           <a:p>
             <a:fld id="{85305B69-AB7B-B045-8F83-2E1723C122F3}" type="datetimeFigureOut">
               <a:rPr lang="ru-RU" smtClean="0"/>
-              <a:t>11.02.2022</a:t>
+              <a:t>12.02.2022</a:t>
             </a:fld>
             <a:endParaRPr lang="ru-RU"/>
           </a:p>
@@ -3553,7 +3553,7 @@
           <a:p>
             <a:fld id="{85305B69-AB7B-B045-8F83-2E1723C122F3}" type="datetimeFigureOut">
               <a:rPr lang="ru-RU" smtClean="0"/>
-              <a:t>11.02.2022</a:t>
+              <a:t>12.02.2022</a:t>
             </a:fld>
             <a:endParaRPr lang="ru-RU"/>
           </a:p>
@@ -3666,7 +3666,7 @@
           <a:p>
             <a:fld id="{85305B69-AB7B-B045-8F83-2E1723C122F3}" type="datetimeFigureOut">
               <a:rPr lang="ru-RU" smtClean="0"/>
-              <a:t>11.02.2022</a:t>
+              <a:t>12.02.2022</a:t>
             </a:fld>
             <a:endParaRPr lang="ru-RU"/>
           </a:p>
@@ -3955,7 +3955,7 @@
           <a:p>
             <a:fld id="{85305B69-AB7B-B045-8F83-2E1723C122F3}" type="datetimeFigureOut">
               <a:rPr lang="ru-RU" smtClean="0"/>
-              <a:t>11.02.2022</a:t>
+              <a:t>12.02.2022</a:t>
             </a:fld>
             <a:endParaRPr lang="ru-RU"/>
           </a:p>
@@ -4246,7 +4246,7 @@
           <a:p>
             <a:fld id="{85305B69-AB7B-B045-8F83-2E1723C122F3}" type="datetimeFigureOut">
               <a:rPr lang="ru-RU" smtClean="0"/>
-              <a:t>11.02.2022</a:t>
+              <a:t>12.02.2022</a:t>
             </a:fld>
             <a:endParaRPr lang="ru-RU"/>
           </a:p>
@@ -4462,7 +4462,7 @@
           <a:p>
             <a:fld id="{85305B69-AB7B-B045-8F83-2E1723C122F3}" type="datetimeFigureOut">
               <a:rPr lang="ru-RU" smtClean="0"/>
-              <a:t>11.02.2022</a:t>
+              <a:t>12.02.2022</a:t>
             </a:fld>
             <a:endParaRPr lang="ru-RU"/>
           </a:p>
@@ -5371,8 +5371,8 @@
         </p:nvSpPr>
         <p:spPr>
           <a:xfrm>
-            <a:off x="738448" y="814013"/>
-            <a:ext cx="10515600" cy="1014788"/>
+            <a:off x="738448" y="169436"/>
+            <a:ext cx="10716490" cy="1014788"/>
           </a:xfrm>
         </p:spPr>
         <p:txBody>
@@ -5387,8 +5387,8 @@
               </a:spcAft>
             </a:pPr>
             <a:r>
-              <a:rPr lang="ru-RU" b="1" dirty="0" err="1"/>
-              <a:t>Тест-кейса</a:t>
+              <a:rPr lang="ru-RU" b="1" dirty="0"/>
+              <a:t>Тест-кейс</a:t>
             </a:r>
             <a:endParaRPr lang="ru-RU" sz="4800" b="1" dirty="0"/>
           </a:p>
@@ -5408,7 +5408,7 @@
         </p:nvSpPr>
         <p:spPr>
           <a:xfrm>
-            <a:off x="738448" y="2468848"/>
+            <a:off x="737062" y="1184224"/>
             <a:ext cx="10716490" cy="2616101"/>
           </a:xfrm>
           <a:prstGeom prst="rect">
@@ -6787,7 +6787,7 @@
         </p:nvSpPr>
         <p:spPr>
           <a:xfrm>
-            <a:off x="738448" y="814013"/>
+            <a:off x="738448" y="306619"/>
             <a:ext cx="10515600" cy="1014788"/>
           </a:xfrm>
         </p:spPr>
@@ -6824,7 +6824,7 @@
         </p:nvSpPr>
         <p:spPr>
           <a:xfrm>
-            <a:off x="738448" y="2227308"/>
+            <a:off x="738448" y="1321407"/>
             <a:ext cx="10716490" cy="3785652"/>
           </a:xfrm>
           <a:prstGeom prst="rect">
